--- a/Week 5 Present Your Data-Driven Insights/Data Science Journey.pptx
+++ b/Week 5 Present Your Data-Driven Insights/Data Science Journey.pptx
@@ -308,7 +308,7 @@
           <a:p>
             <a:fld id="{1D8BD707-D9CF-40AE-B4C6-C98DA3205C09}" type="datetimeFigureOut">
               <a:rPr lang="en-US"/>
-              <a:t>8/26/2021</a:t>
+              <a:t>9/22/2023</a:t>
             </a:fld>
             <a:endParaRPr lang="en-US"/>
           </a:p>
@@ -491,7 +491,7 @@
           <a:p>
             <a:fld id="{1D8BD707-D9CF-40AE-B4C6-C98DA3205C09}" type="datetimeFigureOut">
               <a:rPr lang="en-US"/>
-              <a:t>8/26/2021</a:t>
+              <a:t>9/22/2023</a:t>
             </a:fld>
             <a:endParaRPr lang="en-US"/>
           </a:p>
@@ -711,7 +711,7 @@
           <a:p>
             <a:fld id="{1D8BD707-D9CF-40AE-B4C6-C98DA3205C09}" type="datetimeFigureOut">
               <a:rPr lang="en-US"/>
-              <a:t>8/26/2021</a:t>
+              <a:t>9/22/2023</a:t>
             </a:fld>
             <a:endParaRPr lang="en-US"/>
           </a:p>
@@ -1015,7 +1015,7 @@
           <a:p>
             <a:fld id="{1D8BD707-D9CF-40AE-B4C6-C98DA3205C09}" type="datetimeFigureOut">
               <a:rPr lang="en-US"/>
-              <a:t>8/26/2021</a:t>
+              <a:t>9/22/2023</a:t>
             </a:fld>
             <a:endParaRPr lang="en-US"/>
           </a:p>
@@ -1290,7 +1290,7 @@
           <a:p>
             <a:fld id="{1D8BD707-D9CF-40AE-B4C6-C98DA3205C09}" type="datetimeFigureOut">
               <a:rPr lang="en-US"/>
-              <a:t>8/26/2021</a:t>
+              <a:t>9/22/2023</a:t>
             </a:fld>
             <a:endParaRPr lang="en-US"/>
           </a:p>
@@ -1621,7 +1621,7 @@
           <a:p>
             <a:fld id="{1D8BD707-D9CF-40AE-B4C6-C98DA3205C09}" type="datetimeFigureOut">
               <a:rPr lang="en-US"/>
-              <a:t>8/26/2021</a:t>
+              <a:t>9/22/2023</a:t>
             </a:fld>
             <a:endParaRPr lang="en-US"/>
           </a:p>
@@ -2093,7 +2093,7 @@
         <p:spPr>
           <a:xfrm>
             <a:off x="1176019" y="4300220"/>
-            <a:ext cx="5885180" cy="1422825"/>
+            <a:ext cx="5885180" cy="1792157"/>
           </a:xfrm>
           <a:prstGeom prst="rect">
             <a:avLst/>
@@ -2114,14 +2114,24 @@
               </a:spcBef>
             </a:pPr>
             <a:r>
-              <a:rPr lang="en-IN" sz="2400" spc="-175" dirty="0">
+              <a:rPr lang="en-IN" sz="2400" spc="-175" dirty="0" err="1" smtClean="0">
                 <a:solidFill>
                   <a:srgbClr val="616E52"/>
                 </a:solidFill>
                 <a:latin typeface="Arial"/>
                 <a:cs typeface="Arial"/>
               </a:rPr>
-              <a:t>Navas Sherif I</a:t>
+              <a:t>Sajjad</a:t>
+            </a:r>
+            <a:r>
+              <a:rPr lang="en-IN" sz="2400" spc="-175" dirty="0" smtClean="0">
+                <a:solidFill>
+                  <a:srgbClr val="616E52"/>
+                </a:solidFill>
+                <a:latin typeface="Arial"/>
+                <a:cs typeface="Arial"/>
+              </a:rPr>
+              <a:t> Ali</a:t>
             </a:r>
             <a:endParaRPr sz="2400" dirty="0">
               <a:latin typeface="Arial"/>
@@ -2146,9 +2156,20 @@
                 <a:cs typeface="Arial"/>
                 <a:hlinkClick r:id="rId2"/>
               </a:rPr>
-              <a:t>https://github.com/navassherif98</a:t>
-            </a:r>
-            <a:endParaRPr lang="en-IN" sz="2400" spc="70" dirty="0">
+              <a:t>https://</a:t>
+            </a:r>
+            <a:r>
+              <a:rPr lang="en-IN" sz="2400" spc="70" dirty="0" smtClean="0">
+                <a:solidFill>
+                  <a:srgbClr val="616E52"/>
+                </a:solidFill>
+                <a:latin typeface="Arial"/>
+                <a:cs typeface="Arial"/>
+                <a:hlinkClick r:id="rId2"/>
+              </a:rPr>
+              <a:t>github.com/sajjadlaghari/Data-Science-Capstone-Project</a:t>
+            </a:r>
+            <a:endParaRPr lang="en-IN" sz="2400" spc="70" dirty="0" smtClean="0">
               <a:solidFill>
                 <a:srgbClr val="616E52"/>
               </a:solidFill>
@@ -2166,7 +2187,7 @@
               </a:spcBef>
             </a:pPr>
             <a:r>
-              <a:rPr sz="2400" spc="130" dirty="0">
+              <a:rPr sz="2400" spc="130" dirty="0" smtClean="0">
                 <a:solidFill>
                   <a:srgbClr val="616E52"/>
                 </a:solidFill>
@@ -2186,14 +2207,44 @@
               <a:t>2</a:t>
             </a:r>
             <a:r>
-              <a:rPr sz="2400" spc="130" dirty="0">
+              <a:rPr sz="2400" spc="130" dirty="0" smtClean="0">
                 <a:solidFill>
                   <a:srgbClr val="616E52"/>
                 </a:solidFill>
                 <a:latin typeface="Arial"/>
                 <a:cs typeface="Arial"/>
               </a:rPr>
-              <a:t>/08/2021</a:t>
+              <a:t>/0</a:t>
+            </a:r>
+            <a:r>
+              <a:rPr lang="en-US" sz="2400" spc="130" dirty="0" smtClean="0">
+                <a:solidFill>
+                  <a:srgbClr val="616E52"/>
+                </a:solidFill>
+                <a:latin typeface="Arial"/>
+                <a:cs typeface="Arial"/>
+              </a:rPr>
+              <a:t>9</a:t>
+            </a:r>
+            <a:r>
+              <a:rPr sz="2400" spc="130" dirty="0" smtClean="0">
+                <a:solidFill>
+                  <a:srgbClr val="616E52"/>
+                </a:solidFill>
+                <a:latin typeface="Arial"/>
+                <a:cs typeface="Arial"/>
+              </a:rPr>
+              <a:t>/202</a:t>
+            </a:r>
+            <a:r>
+              <a:rPr lang="en-US" sz="2400" spc="130" dirty="0">
+                <a:solidFill>
+                  <a:srgbClr val="616E52"/>
+                </a:solidFill>
+                <a:latin typeface="Arial"/>
+                <a:cs typeface="Arial"/>
+              </a:rPr>
+              <a:t>3</a:t>
             </a:r>
             <a:endParaRPr sz="2400" dirty="0">
               <a:latin typeface="Arial"/>
@@ -2364,7 +2415,7 @@
         <p:spPr>
           <a:xfrm>
             <a:off x="467361" y="2091819"/>
-            <a:ext cx="11734799" cy="4082656"/>
+            <a:ext cx="11734799" cy="4134978"/>
           </a:xfrm>
           <a:prstGeom prst="rect">
             <a:avLst/>
@@ -3171,7 +3222,7 @@
               <a:t>GitHub url: </a:t>
             </a:r>
             <a:r>
-              <a:rPr sz="2000" spc="-5" dirty="0">
+              <a:rPr sz="2000" spc="-5" dirty="0" smtClean="0">
                 <a:solidFill>
                   <a:srgbClr val="404040"/>
                 </a:solidFill>
@@ -3192,9 +3243,8 @@
                 </a:uFill>
                 <a:latin typeface="Carlito"/>
                 <a:cs typeface="Carlito"/>
-                <a:hlinkClick r:id="rId2"/>
-              </a:rPr>
-              <a:t>https://github.com/navassherif98/IBM_Data_Science_Professional_Certification/blob/master/10.Applied_Data_Science_Capstone/Week%201%20Introduction/Data%20wrangling%20.ipynb</a:t>
+              </a:rPr>
+              <a:t>https://github.com/sajjadlaghari/Data-Science-Capstone-Project/blob/main/Week%201%20Introduction/Data%20wrangling%20.ipynb</a:t>
             </a:r>
             <a:endParaRPr sz="2000" dirty="0">
               <a:latin typeface="Carlito"/>
@@ -3369,7 +3419,7 @@
         <p:spPr>
           <a:xfrm>
             <a:off x="1176019" y="1824608"/>
-            <a:ext cx="9963150" cy="3583940"/>
+            <a:ext cx="9963150" cy="4079963"/>
           </a:xfrm>
           <a:prstGeom prst="rect">
             <a:avLst/>
@@ -4172,7 +4222,7 @@
               </a:spcBef>
             </a:pPr>
             <a:r>
-              <a:rPr sz="2000" u="heavy" dirty="0">
+              <a:rPr sz="2000" u="heavy" dirty="0" err="1">
                 <a:solidFill>
                   <a:srgbClr val="404040"/>
                 </a:solidFill>
@@ -4184,10 +4234,10 @@
                 <a:latin typeface="Carlito"/>
                 <a:cs typeface="Carlito"/>
               </a:rPr>
-              <a:t>GitHub </a:t>
-            </a:r>
-            <a:r>
-              <a:rPr sz="2000" u="heavy" spc="-5" dirty="0">
+              <a:t>GitHub</a:t>
+            </a:r>
+            <a:r>
+              <a:rPr sz="2000" u="heavy" dirty="0">
                 <a:solidFill>
                   <a:srgbClr val="404040"/>
                 </a:solidFill>
@@ -4199,22 +4249,12 @@
                 <a:latin typeface="Carlito"/>
                 <a:cs typeface="Carlito"/>
               </a:rPr>
-              <a:t>url: </a:t>
-            </a:r>
-            <a:r>
-              <a:rPr sz="2000" spc="-5" dirty="0">
-                <a:solidFill>
-                  <a:srgbClr val="404040"/>
-                </a:solidFill>
-                <a:latin typeface="Carlito"/>
-                <a:cs typeface="Carlito"/>
-              </a:rPr>
               <a:t> </a:t>
             </a:r>
             <a:r>
-              <a:rPr lang="en-IN" sz="2000" u="heavy" spc="-10" dirty="0">
-                <a:solidFill>
-                  <a:srgbClr val="2996E1"/>
+              <a:rPr sz="2000" u="heavy" spc="-5" dirty="0" smtClean="0">
+                <a:solidFill>
+                  <a:srgbClr val="404040"/>
                 </a:solidFill>
                 <a:uFill>
                   <a:solidFill>
@@ -4223,11 +4263,35 @@
                 </a:uFill>
                 <a:latin typeface="Carlito"/>
                 <a:cs typeface="Carlito"/>
-                <a:hlinkClick r:id="rId2"/>
-              </a:rPr>
-              <a:t>https://github.com/navassherif98/IBM_Data_Science_Professional_Certification/blob/master/10.Applied_Data_Science_Capstone/Week%202%20EDA/EDA%20with%20Visualization.ipynb</a:t>
-            </a:r>
-            <a:endParaRPr sz="2000" dirty="0">
+              </a:rPr>
+              <a:t>url: </a:t>
+            </a:r>
+            <a:r>
+              <a:rPr sz="2000" spc="-5" dirty="0" smtClean="0">
+                <a:solidFill>
+                  <a:srgbClr val="404040"/>
+                </a:solidFill>
+                <a:latin typeface="Carlito"/>
+                <a:cs typeface="Carlito"/>
+              </a:rPr>
+              <a:t> </a:t>
+            </a:r>
+            <a:r>
+              <a:rPr lang="en-IN" sz="1400" u="heavy" spc="-10" dirty="0">
+                <a:solidFill>
+                  <a:srgbClr val="2996E1"/>
+                </a:solidFill>
+                <a:uFill>
+                  <a:solidFill>
+                    <a:srgbClr val="404040"/>
+                  </a:solidFill>
+                </a:uFill>
+                <a:latin typeface="Carlito"/>
+                <a:cs typeface="Carlito"/>
+              </a:rPr>
+              <a:t>https://github.com/sajjadlaghari/Data-Science-Capstone-Project/blob/main/Week%202%20EDA/EDA%20with%20Visualization.ipynb</a:t>
+            </a:r>
+            <a:endParaRPr sz="1400" dirty="0">
               <a:latin typeface="Carlito"/>
               <a:cs typeface="Carlito"/>
             </a:endParaRPr>
@@ -4396,7 +4460,7 @@
         <p:spPr>
           <a:xfrm>
             <a:off x="1176019" y="1622485"/>
-            <a:ext cx="9687560" cy="3925570"/>
+            <a:ext cx="9687560" cy="4401718"/>
           </a:xfrm>
           <a:prstGeom prst="rect">
             <a:avLst/>
@@ -4839,7 +4903,7 @@
               <a:t> </a:t>
             </a:r>
             <a:r>
-              <a:rPr sz="2000" spc="-15" dirty="0">
+              <a:rPr sz="2000" spc="-15" dirty="0" smtClean="0">
                 <a:solidFill>
                   <a:srgbClr val="404040"/>
                 </a:solidFill>
@@ -4848,10 +4912,6 @@
               </a:rPr>
               <a:t>outcomes</a:t>
             </a:r>
-            <a:endParaRPr sz="2000" dirty="0">
-              <a:latin typeface="Carlito"/>
-              <a:cs typeface="Carlito"/>
-            </a:endParaRPr>
           </a:p>
           <a:p>
             <a:pPr>
@@ -4862,7 +4922,7 @@
                 <a:spcPts val="30"/>
               </a:spcBef>
             </a:pPr>
-            <a:endParaRPr sz="2450" dirty="0">
+            <a:endParaRPr sz="2450" dirty="0" smtClean="0">
               <a:latin typeface="Carlito"/>
               <a:cs typeface="Carlito"/>
             </a:endParaRPr>
@@ -4874,7 +4934,7 @@
               </a:lnSpc>
             </a:pPr>
             <a:r>
-              <a:rPr sz="2000" u="heavy" dirty="0">
+              <a:rPr sz="2000" u="heavy" dirty="0" err="1" smtClean="0">
                 <a:solidFill>
                   <a:srgbClr val="404040"/>
                 </a:solidFill>
@@ -4886,10 +4946,10 @@
                 <a:latin typeface="Carlito"/>
                 <a:cs typeface="Carlito"/>
               </a:rPr>
-              <a:t>GitHub </a:t>
-            </a:r>
-            <a:r>
-              <a:rPr sz="2000" u="heavy" spc="-5" dirty="0">
+              <a:t>GitHub</a:t>
+            </a:r>
+            <a:r>
+              <a:rPr sz="2000" u="heavy" dirty="0" smtClean="0">
                 <a:solidFill>
                   <a:srgbClr val="404040"/>
                 </a:solidFill>
@@ -4901,34 +4961,64 @@
                 <a:latin typeface="Carlito"/>
                 <a:cs typeface="Carlito"/>
               </a:rPr>
-              <a:t>url: </a:t>
-            </a:r>
-            <a:r>
-              <a:rPr sz="2000" spc="-5" dirty="0">
-                <a:solidFill>
-                  <a:srgbClr val="404040"/>
-                </a:solidFill>
-                <a:latin typeface="Carlito"/>
-                <a:cs typeface="Carlito"/>
-              </a:rPr>
               <a:t> </a:t>
             </a:r>
             <a:r>
-              <a:rPr lang="en-IN" sz="2000" u="heavy" spc="-5" dirty="0">
-                <a:solidFill>
-                  <a:srgbClr val="2996E1"/>
+              <a:rPr sz="2000" u="heavy" spc="-5" dirty="0" smtClean="0">
+                <a:solidFill>
+                  <a:srgbClr val="404040"/>
                 </a:solidFill>
                 <a:uFill>
                   <a:solidFill>
-                    <a:srgbClr val="2996E1"/>
+                    <a:srgbClr val="404040"/>
                   </a:solidFill>
                 </a:uFill>
                 <a:latin typeface="Carlito"/>
                 <a:cs typeface="Carlito"/>
-                <a:hlinkClick r:id="rId2"/>
-              </a:rPr>
-              <a:t>https://github.com/navassherif98/IBM_Data_Science_Professional_Certification/blob/master/10.Applied_Data_Science_Capstone/Week%202%20EDA/EDA%20with%20SQL.ipynb</a:t>
-            </a:r>
+              </a:rPr>
+              <a:t>url:</a:t>
+            </a:r>
+            <a:endParaRPr lang="en-US" sz="2000" u="heavy" spc="-5" dirty="0" smtClean="0">
+              <a:solidFill>
+                <a:srgbClr val="404040"/>
+              </a:solidFill>
+              <a:uFill>
+                <a:solidFill>
+                  <a:srgbClr val="404040"/>
+                </a:solidFill>
+              </a:uFill>
+              <a:latin typeface="Carlito"/>
+              <a:cs typeface="Carlito"/>
+            </a:endParaRPr>
+          </a:p>
+          <a:p>
+            <a:pPr marL="12700" marR="5080">
+              <a:lnSpc>
+                <a:spcPct val="149000"/>
+              </a:lnSpc>
+            </a:pPr>
+            <a:r>
+              <a:rPr lang="en-US" sz="2000" u="heavy" spc="-5" dirty="0">
+                <a:solidFill>
+                  <a:srgbClr val="404040"/>
+                </a:solidFill>
+                <a:uFill>
+                  <a:solidFill>
+                    <a:srgbClr val="404040"/>
+                  </a:solidFill>
+                </a:uFill>
+                <a:latin typeface="Carlito"/>
+                <a:cs typeface="Carlito"/>
+              </a:rPr>
+              <a:t>https://github.com/sajjadlaghari/Data-Science-Capstone-Project/blob/main/Week%202%20EDA/EDA%20with%20SQL.ipynb</a:t>
+            </a:r>
+          </a:p>
+          <a:p>
+            <a:pPr marL="12700" marR="5080">
+              <a:lnSpc>
+                <a:spcPct val="149000"/>
+              </a:lnSpc>
+            </a:pPr>
             <a:endParaRPr sz="2000" dirty="0">
               <a:latin typeface="Carlito"/>
               <a:cs typeface="Carlito"/>
@@ -5110,7 +5200,7 @@
         <p:spPr>
           <a:xfrm>
             <a:off x="1176019" y="1824608"/>
-            <a:ext cx="9765665" cy="3162789"/>
+            <a:ext cx="9765665" cy="2933495"/>
           </a:xfrm>
           <a:prstGeom prst="rect">
             <a:avLst/>
@@ -5548,7 +5638,7 @@
               </a:spcBef>
             </a:pPr>
             <a:r>
-              <a:rPr lang="en-IN" sz="2000" u="heavy" spc="-10" dirty="0">
+              <a:rPr lang="en-IN" sz="1600" u="heavy" spc="-10" dirty="0">
                 <a:solidFill>
                   <a:srgbClr val="2996E1"/>
                 </a:solidFill>
@@ -5559,11 +5649,10 @@
                 </a:uFill>
                 <a:latin typeface="Carlito"/>
                 <a:cs typeface="Carlito"/>
-                <a:hlinkClick r:id="rId2"/>
-              </a:rPr>
-              <a:t>https://github.com/navassherif98/IBM_Data_Science_Professional_Certification/blob/master/10.Applied_Data_Science_Capstone/Week%203%20Interactive%20Visual%20Analytics%20and%20Dashboard/Interactive%20Visual%20Analytics%20with%20Folium.ipynb</a:t>
-            </a:r>
-            <a:endParaRPr sz="2000" dirty="0">
+              </a:rPr>
+              <a:t>https://github.com/sajjadlaghari/Data-Science-Capstone-Project/blob/main/Week%203%20Interactive%20Visual%20Analytics%20and%20Dashboard/Interactive%20Visual%20Analytics%20with%20Folium.ipynb</a:t>
+            </a:r>
+            <a:endParaRPr sz="1600" dirty="0">
               <a:latin typeface="Carlito"/>
               <a:cs typeface="Carlito"/>
             </a:endParaRPr>
@@ -5744,7 +5833,7 @@
         <p:spPr>
           <a:xfrm>
             <a:off x="609600" y="1676247"/>
-            <a:ext cx="11430000" cy="4658711"/>
+            <a:ext cx="11430000" cy="4711546"/>
           </a:xfrm>
           <a:prstGeom prst="rect">
             <a:avLst/>
@@ -6605,7 +6694,7 @@
               </a:spcBef>
             </a:pPr>
             <a:r>
-              <a:rPr lang="en-IN" sz="2000" u="heavy" spc="-10" dirty="0">
+              <a:rPr lang="en-IN" sz="1600" u="heavy" spc="-10" dirty="0">
                 <a:solidFill>
                   <a:srgbClr val="2996E1"/>
                 </a:solidFill>
@@ -6616,11 +6705,10 @@
                 </a:uFill>
                 <a:latin typeface="Carlito"/>
                 <a:cs typeface="Carlito"/>
-                <a:hlinkClick r:id="rId2"/>
-              </a:rPr>
-              <a:t>https://github.com/navassherif98/IBM_Data_Science_Professional_Certification/blob/master/10.Applied_Data_Science_Capstone/Week%203%20Interactive%20Visual%20Analytics%20and%20Dashboard/spacex_dash_app.py</a:t>
-            </a:r>
-            <a:endParaRPr sz="2000" dirty="0">
+              </a:rPr>
+              <a:t>https://github.com/sajjadlaghari/Data-Science-Capstone-Project/blob/main/Week%203%20Interactive%20Visual%20Analytics%20and%20Dashboard/spacex_dash_app.py</a:t>
+            </a:r>
+            <a:endParaRPr sz="1600" dirty="0">
               <a:latin typeface="Carlito"/>
               <a:cs typeface="Carlito"/>
             </a:endParaRPr>
@@ -6846,9 +6934,8 @@
               <a:rPr lang="en-IN" sz="2000" dirty="0">
                 <a:latin typeface="Carlito"/>
                 <a:cs typeface="Carlito"/>
-                <a:hlinkClick r:id="rId2"/>
-              </a:rPr>
-              <a:t>https://github.com/navassherif98/IBM_Data_Science_Professional_Certification/blob/master/10.Applied_Data_Science_Capstone/Week%204%20Predictive%20Analysis%20(Classification)/Machine%20Learning%20Prediction.ipynb</a:t>
+              </a:rPr>
+              <a:t>https://github.com/sajjadlaghari/Data-Science-Capstone-Project/blob/main/Week%204%20Predictive%20Analysis%20(Classification)/Machine%20Learning%20Prediction.ipynb</a:t>
             </a:r>
             <a:endParaRPr sz="2000" dirty="0">
               <a:latin typeface="Carlito"/>
@@ -10678,7 +10765,7 @@
           <p:cNvPr id="7" name="Picture 6">
             <a:extLst>
               <a:ext uri="{FF2B5EF4-FFF2-40B4-BE49-F238E27FC236}">
-                <a16:creationId xmlns:a16="http://schemas.microsoft.com/office/drawing/2014/main" id="{ED8F4877-D962-4130-8512-2C5408972FEC}"/>
+                <a16:creationId xmlns:a16="http://schemas.microsoft.com/office/drawing/2014/main" xmlns="" id="{ED8F4877-D962-4130-8512-2C5408972FEC}"/>
               </a:ext>
             </a:extLst>
           </p:cNvPr>
@@ -31448,7 +31535,7 @@
         <p:spPr>
           <a:xfrm>
             <a:off x="1176019" y="1496901"/>
-            <a:ext cx="8401050" cy="3782446"/>
+            <a:ext cx="8401050" cy="4397999"/>
           </a:xfrm>
           <a:prstGeom prst="rect">
             <a:avLst/>
@@ -31556,9 +31643,25 @@
                 <a:cs typeface="Carlito"/>
                 <a:hlinkClick r:id="rId2"/>
               </a:rPr>
-              <a:t>https://github.com/navassherif98/IBM_Data_Science_Professional_Certification</a:t>
-            </a:r>
-            <a:endParaRPr sz="2000" dirty="0">
+              <a:t>https</a:t>
+            </a:r>
+            <a:r>
+              <a:rPr lang="en-IN" sz="2000" u="heavy" spc="-10" dirty="0" smtClean="0">
+                <a:solidFill>
+                  <a:srgbClr val="800080"/>
+                </a:solidFill>
+                <a:uFill>
+                  <a:solidFill>
+                    <a:srgbClr val="800080"/>
+                  </a:solidFill>
+                </a:uFill>
+                <a:latin typeface="Carlito"/>
+                <a:cs typeface="Carlito"/>
+                <a:hlinkClick r:id="rId2"/>
+              </a:rPr>
+              <a:t>://github.com/sajjadlaghari</a:t>
+            </a:r>
+            <a:endParaRPr sz="2000" dirty="0" smtClean="0">
               <a:latin typeface="Carlito"/>
               <a:cs typeface="Carlito"/>
             </a:endParaRPr>
@@ -31572,7 +31675,7 @@
                 <a:spcPts val="40"/>
               </a:spcBef>
             </a:pPr>
-            <a:endParaRPr sz="1750" dirty="0">
+            <a:endParaRPr sz="1750" dirty="0" smtClean="0">
               <a:latin typeface="Carlito"/>
               <a:cs typeface="Carlito"/>
             </a:endParaRPr>
@@ -31587,7 +31690,7 @@
               </a:spcBef>
             </a:pPr>
             <a:r>
-              <a:rPr sz="2000" u="heavy" spc="-5" dirty="0">
+              <a:rPr sz="2000" u="heavy" spc="-5" dirty="0" smtClean="0">
                 <a:solidFill>
                   <a:srgbClr val="404040"/>
                 </a:solidFill>
@@ -36269,7 +36372,7 @@
         <p:spPr>
           <a:xfrm>
             <a:off x="535635" y="4830826"/>
-            <a:ext cx="865505" cy="254000"/>
+            <a:ext cx="1216965" cy="242569"/>
           </a:xfrm>
           <a:prstGeom prst="rect">
             <a:avLst/>
@@ -36334,7 +36437,7 @@
               </a:rPr>
               <a:t>url:</a:t>
             </a:r>
-            <a:endParaRPr sz="1500">
+            <a:endParaRPr sz="1500" dirty="0">
               <a:latin typeface="Carlito"/>
               <a:cs typeface="Carlito"/>
             </a:endParaRPr>
@@ -36350,7 +36453,7 @@
         <p:spPr>
           <a:xfrm>
             <a:off x="535635" y="5215508"/>
-            <a:ext cx="2988945" cy="1271117"/>
+            <a:ext cx="2988945" cy="1065676"/>
           </a:xfrm>
           <a:prstGeom prst="rect">
             <a:avLst/>
@@ -36382,9 +36485,8 @@
                 </a:uFill>
                 <a:latin typeface="Carlito"/>
                 <a:cs typeface="Carlito"/>
-                <a:hlinkClick r:id="rId23"/>
-              </a:rPr>
-              <a:t>https://github.com/navassherif98/IBM_Data_Science_Professional_Certification/blob/master/10.Applied_Data_Science_Capstone/Week%201%20Introduction/Data%20Collection%20Api%20.ipynb</a:t>
+              </a:rPr>
+              <a:t>https://github.com/sajjadlaghari/Data-Science-Capstone-Project/blob/main/Week%201%20Introduction/Data%20Collection%20Api%20.ipynb</a:t>
             </a:r>
             <a:endParaRPr sz="1500" dirty="0">
               <a:solidFill>
@@ -36429,7 +36531,7 @@
         </p:nvGrpSpPr>
         <p:grpSpPr>
           <a:xfrm>
-            <a:off x="0" y="0"/>
+            <a:off x="76200" y="0"/>
             <a:ext cx="4104004" cy="6858000"/>
             <a:chOff x="0" y="0"/>
             <a:chExt cx="4104004" cy="6858000"/>
@@ -38112,7 +38214,7 @@
         <p:spPr>
           <a:xfrm>
             <a:off x="535635" y="4448302"/>
-            <a:ext cx="865505" cy="254000"/>
+            <a:ext cx="1293165" cy="243656"/>
           </a:xfrm>
           <a:prstGeom prst="rect">
             <a:avLst/>
@@ -38177,7 +38279,7 @@
               </a:rPr>
               <a:t>url:</a:t>
             </a:r>
-            <a:endParaRPr sz="1500">
+            <a:endParaRPr sz="1500" dirty="0">
               <a:latin typeface="Carlito"/>
               <a:cs typeface="Carlito"/>
             </a:endParaRPr>
@@ -38193,7 +38295,7 @@
         <p:spPr>
           <a:xfrm>
             <a:off x="535635" y="4830826"/>
-            <a:ext cx="2988945" cy="1282402"/>
+            <a:ext cx="2988945" cy="1074653"/>
           </a:xfrm>
           <a:prstGeom prst="rect">
             <a:avLst/>
@@ -38225,9 +38327,8 @@
                 </a:uFill>
                 <a:latin typeface="Carlito"/>
                 <a:cs typeface="Carlito"/>
-                <a:hlinkClick r:id="rId17"/>
-              </a:rPr>
-              <a:t>https://github.com/navassherif98/IBM_Data_Science_Professional_Certification/blob/master/10.Applied_Data_Science_Capstone/Week%201%20Introduction/Data%20Collection%20with%20Web%20Scraping.ipynb</a:t>
+              </a:rPr>
+              <a:t>https://github.com/sajjadlaghari/Data-Science-Capstone-Project/blob/main/Week%201%20Introduction/Data%20Collection%20with%20Web%20Scraping.ipynb</a:t>
             </a:r>
             <a:endParaRPr lang="en-IN" sz="1500" dirty="0">
               <a:latin typeface="Carlito"/>
